--- a/final_presentation.pptx
+++ b/final_presentation.pptx
@@ -106,7 +106,16 @@
       </a:defRPr>
     </a:lvl9pPr>
   </p:defaultTextStyle>
+  <p:extLst>
+    <p:ext uri="{EFAFB233-063F-42B5-8137-9DF3F51BA10A}">
+      <p15:sldGuideLst xmlns:p15="http://schemas.microsoft.com/office/powerpoint/2012/main"/>
+    </p:ext>
+  </p:extLst>
 </p:presentation>
+</file>
+
+<file path=ppt/revisionInfo.xml><?xml version="1.0" encoding="utf-8"?>
+<p1510:revInfo xmlns:a="http://schemas.openxmlformats.org/drawingml/2006/main" xmlns:r="http://schemas.openxmlformats.org/officeDocument/2006/relationships" xmlns:p1510="http://schemas.microsoft.com/office/powerpoint/2015/10/main"/>
 </file>
 
 <file path=ppt/slideLayouts/slideLayout1.xml><?xml version="1.0" encoding="utf-8"?>
@@ -334,7 +343,7 @@
             <a:fld id="{5586B75A-687E-405C-8A0B-8D00578BA2C3}" type="datetimeFigureOut">
               <a:rPr lang="en-US" dirty="0"/>
               <a:pPr/>
-              <a:t>5/30/2017</a:t>
+              <a:t>6/16/2017</a:t>
             </a:fld>
             <a:endParaRPr lang="en-US" dirty="0"/>
           </a:p>
@@ -501,7 +510,7 @@
             <a:fld id="{5586B75A-687E-405C-8A0B-8D00578BA2C3}" type="datetimeFigureOut">
               <a:rPr lang="en-US" dirty="0"/>
               <a:pPr/>
-              <a:t>5/30/2017</a:t>
+              <a:t>6/16/2017</a:t>
             </a:fld>
             <a:endParaRPr lang="en-US" dirty="0"/>
           </a:p>
@@ -678,7 +687,7 @@
             <a:fld id="{5586B75A-687E-405C-8A0B-8D00578BA2C3}" type="datetimeFigureOut">
               <a:rPr lang="en-US" dirty="0"/>
               <a:pPr/>
-              <a:t>5/30/2017</a:t>
+              <a:t>6/16/2017</a:t>
             </a:fld>
             <a:endParaRPr lang="en-US" dirty="0"/>
           </a:p>
@@ -845,7 +854,7 @@
             <a:fld id="{5586B75A-687E-405C-8A0B-8D00578BA2C3}" type="datetimeFigureOut">
               <a:rPr lang="en-US" dirty="0"/>
               <a:pPr/>
-              <a:t>5/30/2017</a:t>
+              <a:t>6/16/2017</a:t>
             </a:fld>
             <a:endParaRPr lang="en-US" dirty="0"/>
           </a:p>
@@ -1100,7 +1109,7 @@
             <a:fld id="{5586B75A-687E-405C-8A0B-8D00578BA2C3}" type="datetimeFigureOut">
               <a:rPr lang="en-US" dirty="0"/>
               <a:pPr/>
-              <a:t>5/30/2017</a:t>
+              <a:t>6/16/2017</a:t>
             </a:fld>
             <a:endParaRPr lang="en-US" dirty="0"/>
           </a:p>
@@ -1385,7 +1394,7 @@
             <a:fld id="{5586B75A-687E-405C-8A0B-8D00578BA2C3}" type="datetimeFigureOut">
               <a:rPr lang="en-US" dirty="0"/>
               <a:pPr/>
-              <a:t>5/30/2017</a:t>
+              <a:t>6/16/2017</a:t>
             </a:fld>
             <a:endParaRPr lang="en-US" dirty="0"/>
           </a:p>
@@ -1824,7 +1833,7 @@
             <a:fld id="{5586B75A-687E-405C-8A0B-8D00578BA2C3}" type="datetimeFigureOut">
               <a:rPr lang="en-US" dirty="0"/>
               <a:pPr/>
-              <a:t>5/30/2017</a:t>
+              <a:t>6/16/2017</a:t>
             </a:fld>
             <a:endParaRPr lang="en-US" dirty="0"/>
           </a:p>
@@ -1939,7 +1948,7 @@
             <a:fld id="{5586B75A-687E-405C-8A0B-8D00578BA2C3}" type="datetimeFigureOut">
               <a:rPr lang="en-US" dirty="0"/>
               <a:pPr/>
-              <a:t>5/30/2017</a:t>
+              <a:t>6/16/2017</a:t>
             </a:fld>
             <a:endParaRPr lang="en-US" dirty="0"/>
           </a:p>
@@ -2031,7 +2040,7 @@
             <a:fld id="{5586B75A-687E-405C-8A0B-8D00578BA2C3}" type="datetimeFigureOut">
               <a:rPr lang="en-US" dirty="0"/>
               <a:pPr/>
-              <a:t>5/30/2017</a:t>
+              <a:t>6/16/2017</a:t>
             </a:fld>
             <a:endParaRPr lang="en-US" dirty="0"/>
           </a:p>
@@ -2316,7 +2325,7 @@
             <a:fld id="{5586B75A-687E-405C-8A0B-8D00578BA2C3}" type="datetimeFigureOut">
               <a:rPr lang="en-US" dirty="0"/>
               <a:pPr/>
-              <a:t>5/30/2017</a:t>
+              <a:t>6/16/2017</a:t>
             </a:fld>
             <a:endParaRPr lang="en-US" dirty="0"/>
           </a:p>
@@ -2586,7 +2595,7 @@
             <a:fld id="{5586B75A-687E-405C-8A0B-8D00578BA2C3}" type="datetimeFigureOut">
               <a:rPr lang="en-US" dirty="0"/>
               <a:pPr/>
-              <a:t>5/30/2017</a:t>
+              <a:t>6/16/2017</a:t>
             </a:fld>
             <a:endParaRPr lang="en-US" dirty="0"/>
           </a:p>
@@ -2880,7 +2889,7 @@
             <a:fld id="{5586B75A-687E-405C-8A0B-8D00578BA2C3}" type="datetimeFigureOut">
               <a:rPr lang="en-US" dirty="0"/>
               <a:pPr/>
-              <a:t>5/30/2017</a:t>
+              <a:t>6/16/2017</a:t>
             </a:fld>
             <a:endParaRPr lang="en-US" dirty="0"/>
           </a:p>
@@ -4188,7 +4197,7 @@
           <a:p>
             <a:r>
               <a:rPr lang="en-US" dirty="0"/>
-              <a:t>SNV predicted to be phenotypic</a:t>
+              <a:t>SNV predicted to be pathogenic</a:t>
             </a:r>
           </a:p>
         </p:txBody>

--- a/final_presentation.pptx
+++ b/final_presentation.pptx
@@ -3446,1109 +3446,1124 @@
           <a:chExt cx="0" cy="0"/>
         </a:xfrm>
       </p:grpSpPr>
-      <p:sp>
-        <p:nvSpPr>
-          <p:cNvPr id="2" name="Rectangle 1"/>
-          <p:cNvSpPr/>
+      <p:grpSp>
+        <p:nvGrpSpPr>
+          <p:cNvPr id="8" name="Group 7"/>
+          <p:cNvGrpSpPr/>
           <p:nvPr/>
-        </p:nvSpPr>
-        <p:spPr>
+        </p:nvGrpSpPr>
+        <p:grpSpPr>
           <a:xfrm>
-            <a:off x="794944" y="3624901"/>
-            <a:ext cx="815547" cy="248522"/>
+            <a:off x="794944" y="2141610"/>
+            <a:ext cx="10688601" cy="4220060"/>
+            <a:chOff x="794944" y="2141610"/>
+            <a:chExt cx="10688601" cy="4220060"/>
           </a:xfrm>
-          <a:prstGeom prst="rect">
-            <a:avLst/>
-          </a:prstGeom>
-        </p:spPr>
-        <p:style>
-          <a:lnRef idx="2">
-            <a:schemeClr val="accent1">
-              <a:shade val="50000"/>
-            </a:schemeClr>
-          </a:lnRef>
-          <a:fillRef idx="1">
-            <a:schemeClr val="accent1"/>
-          </a:fillRef>
-          <a:effectRef idx="0">
-            <a:schemeClr val="accent1"/>
-          </a:effectRef>
-          <a:fontRef idx="minor">
-            <a:schemeClr val="lt1"/>
-          </a:fontRef>
-        </p:style>
-        <p:txBody>
-          <a:bodyPr rtlCol="0" anchor="ctr"/>
-          <a:lstStyle/>
-          <a:p>
-            <a:pPr algn="ctr"/>
-            <a:endParaRPr lang="en-US"/>
-          </a:p>
-        </p:txBody>
-      </p:sp>
-      <p:sp>
-        <p:nvSpPr>
-          <p:cNvPr id="3" name="Rectangle 2"/>
-          <p:cNvSpPr/>
-          <p:nvPr/>
-        </p:nvSpPr>
-        <p:spPr>
-          <a:xfrm>
-            <a:off x="4057132" y="3624898"/>
-            <a:ext cx="815547" cy="248522"/>
-          </a:xfrm>
-          <a:prstGeom prst="rect">
-            <a:avLst/>
-          </a:prstGeom>
-        </p:spPr>
-        <p:style>
-          <a:lnRef idx="2">
-            <a:schemeClr val="accent1">
-              <a:shade val="50000"/>
-            </a:schemeClr>
-          </a:lnRef>
-          <a:fillRef idx="1">
-            <a:schemeClr val="accent1"/>
-          </a:fillRef>
-          <a:effectRef idx="0">
-            <a:schemeClr val="accent1"/>
-          </a:effectRef>
-          <a:fontRef idx="minor">
-            <a:schemeClr val="lt1"/>
-          </a:fontRef>
-        </p:style>
-        <p:txBody>
-          <a:bodyPr rtlCol="0" anchor="ctr"/>
-          <a:lstStyle/>
-          <a:p>
-            <a:pPr algn="ctr"/>
-            <a:endParaRPr lang="en-US"/>
-          </a:p>
-        </p:txBody>
-      </p:sp>
-      <p:sp>
-        <p:nvSpPr>
-          <p:cNvPr id="4" name="Rectangle 3"/>
-          <p:cNvSpPr/>
-          <p:nvPr/>
-        </p:nvSpPr>
-        <p:spPr>
-          <a:xfrm>
-            <a:off x="2426038" y="3624899"/>
-            <a:ext cx="815547" cy="248522"/>
-          </a:xfrm>
-          <a:prstGeom prst="rect">
-            <a:avLst/>
-          </a:prstGeom>
-        </p:spPr>
-        <p:style>
-          <a:lnRef idx="2">
-            <a:schemeClr val="accent1">
-              <a:shade val="50000"/>
-            </a:schemeClr>
-          </a:lnRef>
-          <a:fillRef idx="1">
-            <a:schemeClr val="accent1"/>
-          </a:fillRef>
-          <a:effectRef idx="0">
-            <a:schemeClr val="accent1"/>
-          </a:effectRef>
-          <a:fontRef idx="minor">
-            <a:schemeClr val="lt1"/>
-          </a:fontRef>
-        </p:style>
-        <p:txBody>
-          <a:bodyPr rtlCol="0" anchor="ctr"/>
-          <a:lstStyle/>
-          <a:p>
-            <a:pPr algn="ctr"/>
-            <a:endParaRPr lang="en-US"/>
-          </a:p>
-        </p:txBody>
-      </p:sp>
-      <p:sp>
-        <p:nvSpPr>
-          <p:cNvPr id="5" name="Rectangle 4"/>
-          <p:cNvSpPr/>
-          <p:nvPr/>
-        </p:nvSpPr>
-        <p:spPr>
-          <a:xfrm>
-            <a:off x="7319320" y="3624901"/>
-            <a:ext cx="815547" cy="248522"/>
-          </a:xfrm>
-          <a:prstGeom prst="rect">
-            <a:avLst/>
-          </a:prstGeom>
-        </p:spPr>
-        <p:style>
-          <a:lnRef idx="2">
-            <a:schemeClr val="accent1">
-              <a:shade val="50000"/>
-            </a:schemeClr>
-          </a:lnRef>
-          <a:fillRef idx="1">
-            <a:schemeClr val="accent1"/>
-          </a:fillRef>
-          <a:effectRef idx="0">
-            <a:schemeClr val="accent1"/>
-          </a:effectRef>
-          <a:fontRef idx="minor">
-            <a:schemeClr val="lt1"/>
-          </a:fontRef>
-        </p:style>
-        <p:txBody>
-          <a:bodyPr rtlCol="0" anchor="ctr"/>
-          <a:lstStyle/>
-          <a:p>
-            <a:pPr algn="ctr"/>
-            <a:endParaRPr lang="en-US"/>
-          </a:p>
-        </p:txBody>
-      </p:sp>
-      <p:sp>
-        <p:nvSpPr>
-          <p:cNvPr id="6" name="Rectangle 5"/>
-          <p:cNvSpPr/>
-          <p:nvPr/>
-        </p:nvSpPr>
-        <p:spPr>
-          <a:xfrm>
-            <a:off x="10581508" y="3624898"/>
-            <a:ext cx="815547" cy="248522"/>
-          </a:xfrm>
-          <a:prstGeom prst="rect">
-            <a:avLst/>
-          </a:prstGeom>
-        </p:spPr>
-        <p:style>
-          <a:lnRef idx="2">
-            <a:schemeClr val="accent1">
-              <a:shade val="50000"/>
-            </a:schemeClr>
-          </a:lnRef>
-          <a:fillRef idx="1">
-            <a:schemeClr val="accent1"/>
-          </a:fillRef>
-          <a:effectRef idx="0">
-            <a:schemeClr val="accent1"/>
-          </a:effectRef>
-          <a:fontRef idx="minor">
-            <a:schemeClr val="lt1"/>
-          </a:fontRef>
-        </p:style>
-        <p:txBody>
-          <a:bodyPr rtlCol="0" anchor="ctr"/>
-          <a:lstStyle/>
-          <a:p>
-            <a:pPr algn="ctr"/>
-            <a:endParaRPr lang="en-US"/>
-          </a:p>
-        </p:txBody>
-      </p:sp>
-      <p:sp>
-        <p:nvSpPr>
-          <p:cNvPr id="7" name="Rectangle 6"/>
-          <p:cNvSpPr/>
-          <p:nvPr/>
-        </p:nvSpPr>
-        <p:spPr>
-          <a:xfrm>
-            <a:off x="8950414" y="3624899"/>
-            <a:ext cx="815547" cy="248522"/>
-          </a:xfrm>
-          <a:prstGeom prst="rect">
-            <a:avLst/>
-          </a:prstGeom>
-        </p:spPr>
-        <p:style>
-          <a:lnRef idx="2">
-            <a:schemeClr val="accent1">
-              <a:shade val="50000"/>
-            </a:schemeClr>
-          </a:lnRef>
-          <a:fillRef idx="1">
-            <a:schemeClr val="accent1"/>
-          </a:fillRef>
-          <a:effectRef idx="0">
-            <a:schemeClr val="accent1"/>
-          </a:effectRef>
-          <a:fontRef idx="minor">
-            <a:schemeClr val="lt1"/>
-          </a:fontRef>
-        </p:style>
-        <p:txBody>
-          <a:bodyPr rtlCol="0" anchor="ctr"/>
-          <a:lstStyle/>
-          <a:p>
-            <a:pPr algn="ctr"/>
-            <a:endParaRPr lang="en-US"/>
-          </a:p>
-        </p:txBody>
-      </p:sp>
-      <p:cxnSp>
-        <p:nvCxnSpPr>
-          <p:cNvPr id="11" name="Straight Connector 10"/>
-          <p:cNvCxnSpPr>
-            <a:stCxn id="2" idx="3"/>
-            <a:endCxn id="4" idx="1"/>
-          </p:cNvCxnSpPr>
-          <p:nvPr/>
-        </p:nvCxnSpPr>
-        <p:spPr>
-          <a:xfrm flipV="1">
-            <a:off x="1610491" y="3749161"/>
-            <a:ext cx="815547" cy="2"/>
-          </a:xfrm>
-          <a:prstGeom prst="line">
-            <a:avLst/>
-          </a:prstGeom>
-        </p:spPr>
-        <p:style>
-          <a:lnRef idx="1">
-            <a:schemeClr val="accent1"/>
-          </a:lnRef>
-          <a:fillRef idx="0">
-            <a:schemeClr val="accent1"/>
-          </a:fillRef>
-          <a:effectRef idx="0">
-            <a:schemeClr val="accent1"/>
-          </a:effectRef>
-          <a:fontRef idx="minor">
-            <a:schemeClr val="tx1"/>
-          </a:fontRef>
-        </p:style>
-      </p:cxnSp>
-      <p:cxnSp>
-        <p:nvCxnSpPr>
-          <p:cNvPr id="12" name="Straight Connector 11"/>
-          <p:cNvCxnSpPr/>
-          <p:nvPr/>
-        </p:nvCxnSpPr>
-        <p:spPr>
-          <a:xfrm flipV="1">
-            <a:off x="3241585" y="3749157"/>
-            <a:ext cx="815547" cy="2"/>
-          </a:xfrm>
-          <a:prstGeom prst="line">
-            <a:avLst/>
-          </a:prstGeom>
-        </p:spPr>
-        <p:style>
-          <a:lnRef idx="1">
-            <a:schemeClr val="accent1"/>
-          </a:lnRef>
-          <a:fillRef idx="0">
-            <a:schemeClr val="accent1"/>
-          </a:fillRef>
-          <a:effectRef idx="0">
-            <a:schemeClr val="accent1"/>
-          </a:effectRef>
-          <a:fontRef idx="minor">
-            <a:schemeClr val="tx1"/>
-          </a:fontRef>
-        </p:style>
-      </p:cxnSp>
-      <p:cxnSp>
-        <p:nvCxnSpPr>
-          <p:cNvPr id="13" name="Straight Connector 12"/>
-          <p:cNvCxnSpPr/>
-          <p:nvPr/>
-        </p:nvCxnSpPr>
-        <p:spPr>
-          <a:xfrm flipV="1">
-            <a:off x="8134867" y="3749155"/>
-            <a:ext cx="815547" cy="2"/>
-          </a:xfrm>
-          <a:prstGeom prst="line">
-            <a:avLst/>
-          </a:prstGeom>
-        </p:spPr>
-        <p:style>
-          <a:lnRef idx="1">
-            <a:schemeClr val="accent1"/>
-          </a:lnRef>
-          <a:fillRef idx="0">
-            <a:schemeClr val="accent1"/>
-          </a:fillRef>
-          <a:effectRef idx="0">
-            <a:schemeClr val="accent1"/>
-          </a:effectRef>
-          <a:fontRef idx="minor">
-            <a:schemeClr val="tx1"/>
-          </a:fontRef>
-        </p:style>
-      </p:cxnSp>
-      <p:cxnSp>
-        <p:nvCxnSpPr>
-          <p:cNvPr id="14" name="Straight Connector 13"/>
-          <p:cNvCxnSpPr/>
-          <p:nvPr/>
-        </p:nvCxnSpPr>
-        <p:spPr>
-          <a:xfrm flipV="1">
-            <a:off x="9765961" y="3749155"/>
-            <a:ext cx="815547" cy="2"/>
-          </a:xfrm>
-          <a:prstGeom prst="line">
-            <a:avLst/>
-          </a:prstGeom>
-        </p:spPr>
-        <p:style>
-          <a:lnRef idx="1">
-            <a:schemeClr val="accent1"/>
-          </a:lnRef>
-          <a:fillRef idx="0">
-            <a:schemeClr val="accent1"/>
-          </a:fillRef>
-          <a:effectRef idx="0">
-            <a:schemeClr val="accent1"/>
-          </a:effectRef>
-          <a:fontRef idx="minor">
-            <a:schemeClr val="tx1"/>
-          </a:fontRef>
-        </p:style>
-      </p:cxnSp>
-      <p:cxnSp>
-        <p:nvCxnSpPr>
-          <p:cNvPr id="16" name="Straight Arrow Connector 15"/>
-          <p:cNvCxnSpPr>
-            <a:cxnSpLocks/>
-          </p:cNvCxnSpPr>
-          <p:nvPr/>
-        </p:nvCxnSpPr>
-        <p:spPr>
-          <a:xfrm>
-            <a:off x="2833811" y="4317748"/>
-            <a:ext cx="1" cy="444327"/>
-          </a:xfrm>
-          <a:prstGeom prst="straightConnector1">
-            <a:avLst/>
-          </a:prstGeom>
-          <a:ln>
-            <a:tailEnd type="triangle"/>
-          </a:ln>
-        </p:spPr>
-        <p:style>
-          <a:lnRef idx="1">
-            <a:schemeClr val="accent1"/>
-          </a:lnRef>
-          <a:fillRef idx="0">
-            <a:schemeClr val="accent1"/>
-          </a:fillRef>
-          <a:effectRef idx="0">
-            <a:schemeClr val="accent1"/>
-          </a:effectRef>
-          <a:fontRef idx="minor">
-            <a:schemeClr val="tx1"/>
-          </a:fontRef>
-        </p:style>
-      </p:cxnSp>
-      <p:cxnSp>
-        <p:nvCxnSpPr>
-          <p:cNvPr id="18" name="Straight Arrow Connector 17"/>
-          <p:cNvCxnSpPr>
-            <a:cxnSpLocks/>
-          </p:cNvCxnSpPr>
-          <p:nvPr/>
-        </p:nvCxnSpPr>
-        <p:spPr>
-          <a:xfrm>
-            <a:off x="9358186" y="4317747"/>
-            <a:ext cx="1" cy="444327"/>
-          </a:xfrm>
-          <a:prstGeom prst="straightConnector1">
-            <a:avLst/>
-          </a:prstGeom>
-          <a:ln>
-            <a:tailEnd type="triangle"/>
-          </a:ln>
-        </p:spPr>
-        <p:style>
-          <a:lnRef idx="1">
-            <a:schemeClr val="accent1"/>
-          </a:lnRef>
-          <a:fillRef idx="0">
-            <a:schemeClr val="accent1"/>
-          </a:fillRef>
-          <a:effectRef idx="0">
-            <a:schemeClr val="accent1"/>
-          </a:effectRef>
-          <a:fontRef idx="minor">
-            <a:schemeClr val="tx1"/>
-          </a:fontRef>
-        </p:style>
-      </p:cxnSp>
-      <p:sp>
-        <p:nvSpPr>
-          <p:cNvPr id="19" name="Rectangle 18"/>
-          <p:cNvSpPr/>
-          <p:nvPr/>
-        </p:nvSpPr>
-        <p:spPr>
-          <a:xfrm>
-            <a:off x="794944" y="5102199"/>
-            <a:ext cx="815547" cy="248522"/>
-          </a:xfrm>
-          <a:prstGeom prst="rect">
-            <a:avLst/>
-          </a:prstGeom>
-        </p:spPr>
-        <p:style>
-          <a:lnRef idx="2">
-            <a:schemeClr val="accent1">
-              <a:shade val="50000"/>
-            </a:schemeClr>
-          </a:lnRef>
-          <a:fillRef idx="1">
-            <a:schemeClr val="accent1"/>
-          </a:fillRef>
-          <a:effectRef idx="0">
-            <a:schemeClr val="accent1"/>
-          </a:effectRef>
-          <a:fontRef idx="minor">
-            <a:schemeClr val="lt1"/>
-          </a:fontRef>
-        </p:style>
-        <p:txBody>
-          <a:bodyPr rtlCol="0" anchor="ctr"/>
-          <a:lstStyle/>
-          <a:p>
-            <a:pPr algn="ctr"/>
-            <a:endParaRPr lang="en-US"/>
-          </a:p>
-        </p:txBody>
-      </p:sp>
-      <p:sp>
-        <p:nvSpPr>
-          <p:cNvPr id="20" name="Rectangle 19"/>
-          <p:cNvSpPr/>
-          <p:nvPr/>
-        </p:nvSpPr>
-        <p:spPr>
-          <a:xfrm>
-            <a:off x="4057132" y="5102196"/>
-            <a:ext cx="815547" cy="248522"/>
-          </a:xfrm>
-          <a:prstGeom prst="rect">
-            <a:avLst/>
-          </a:prstGeom>
-        </p:spPr>
-        <p:style>
-          <a:lnRef idx="2">
-            <a:schemeClr val="accent1">
-              <a:shade val="50000"/>
-            </a:schemeClr>
-          </a:lnRef>
-          <a:fillRef idx="1">
-            <a:schemeClr val="accent1"/>
-          </a:fillRef>
-          <a:effectRef idx="0">
-            <a:schemeClr val="accent1"/>
-          </a:effectRef>
-          <a:fontRef idx="minor">
-            <a:schemeClr val="lt1"/>
-          </a:fontRef>
-        </p:style>
-        <p:txBody>
-          <a:bodyPr rtlCol="0" anchor="ctr"/>
-          <a:lstStyle/>
-          <a:p>
-            <a:pPr algn="ctr"/>
-            <a:endParaRPr lang="en-US"/>
-          </a:p>
-        </p:txBody>
-      </p:sp>
-      <p:sp>
-        <p:nvSpPr>
-          <p:cNvPr id="22" name="Rectangle 21"/>
-          <p:cNvSpPr/>
-          <p:nvPr/>
-        </p:nvSpPr>
-        <p:spPr>
-          <a:xfrm>
-            <a:off x="7319320" y="5102199"/>
-            <a:ext cx="815547" cy="248522"/>
-          </a:xfrm>
-          <a:prstGeom prst="rect">
-            <a:avLst/>
-          </a:prstGeom>
-        </p:spPr>
-        <p:style>
-          <a:lnRef idx="2">
-            <a:schemeClr val="accent1">
-              <a:shade val="50000"/>
-            </a:schemeClr>
-          </a:lnRef>
-          <a:fillRef idx="1">
-            <a:schemeClr val="accent1"/>
-          </a:fillRef>
-          <a:effectRef idx="0">
-            <a:schemeClr val="accent1"/>
-          </a:effectRef>
-          <a:fontRef idx="minor">
-            <a:schemeClr val="lt1"/>
-          </a:fontRef>
-        </p:style>
-        <p:txBody>
-          <a:bodyPr rtlCol="0" anchor="ctr"/>
-          <a:lstStyle/>
-          <a:p>
-            <a:pPr algn="ctr"/>
-            <a:endParaRPr lang="en-US"/>
-          </a:p>
-        </p:txBody>
-      </p:sp>
-      <p:sp>
-        <p:nvSpPr>
-          <p:cNvPr id="23" name="Rectangle 22"/>
-          <p:cNvSpPr/>
-          <p:nvPr/>
-        </p:nvSpPr>
-        <p:spPr>
-          <a:xfrm>
-            <a:off x="10581508" y="5102196"/>
-            <a:ext cx="815547" cy="248522"/>
-          </a:xfrm>
-          <a:prstGeom prst="rect">
-            <a:avLst/>
-          </a:prstGeom>
-        </p:spPr>
-        <p:style>
-          <a:lnRef idx="2">
-            <a:schemeClr val="accent1">
-              <a:shade val="50000"/>
-            </a:schemeClr>
-          </a:lnRef>
-          <a:fillRef idx="1">
-            <a:schemeClr val="accent1"/>
-          </a:fillRef>
-          <a:effectRef idx="0">
-            <a:schemeClr val="accent1"/>
-          </a:effectRef>
-          <a:fontRef idx="minor">
-            <a:schemeClr val="lt1"/>
-          </a:fontRef>
-        </p:style>
-        <p:txBody>
-          <a:bodyPr rtlCol="0" anchor="ctr"/>
-          <a:lstStyle/>
-          <a:p>
-            <a:pPr algn="ctr"/>
-            <a:endParaRPr lang="en-US"/>
-          </a:p>
-        </p:txBody>
-      </p:sp>
-      <p:sp>
-        <p:nvSpPr>
-          <p:cNvPr id="24" name="Rectangle 23"/>
-          <p:cNvSpPr/>
-          <p:nvPr/>
-        </p:nvSpPr>
-        <p:spPr>
-          <a:xfrm>
-            <a:off x="8950414" y="5102197"/>
-            <a:ext cx="815547" cy="248522"/>
-          </a:xfrm>
-          <a:prstGeom prst="rect">
-            <a:avLst/>
-          </a:prstGeom>
-        </p:spPr>
-        <p:style>
-          <a:lnRef idx="2">
-            <a:schemeClr val="accent1">
-              <a:shade val="50000"/>
-            </a:schemeClr>
-          </a:lnRef>
-          <a:fillRef idx="1">
-            <a:schemeClr val="accent1"/>
-          </a:fillRef>
-          <a:effectRef idx="0">
-            <a:schemeClr val="accent1"/>
-          </a:effectRef>
-          <a:fontRef idx="minor">
-            <a:schemeClr val="lt1"/>
-          </a:fontRef>
-        </p:style>
-        <p:txBody>
-          <a:bodyPr rtlCol="0" anchor="ctr"/>
-          <a:lstStyle/>
-          <a:p>
-            <a:pPr algn="ctr"/>
-            <a:endParaRPr lang="en-US"/>
-          </a:p>
-        </p:txBody>
-      </p:sp>
-      <p:cxnSp>
-        <p:nvCxnSpPr>
-          <p:cNvPr id="25" name="Straight Connector 24"/>
-          <p:cNvCxnSpPr>
-            <a:cxnSpLocks/>
-            <a:stCxn id="19" idx="3"/>
-            <a:endCxn id="20" idx="1"/>
-          </p:cNvCxnSpPr>
-          <p:nvPr/>
-        </p:nvCxnSpPr>
-        <p:spPr>
-          <a:xfrm flipV="1">
-            <a:off x="1610491" y="5226457"/>
-            <a:ext cx="2446641" cy="3"/>
-          </a:xfrm>
-          <a:prstGeom prst="line">
-            <a:avLst/>
-          </a:prstGeom>
-        </p:spPr>
-        <p:style>
-          <a:lnRef idx="1">
-            <a:schemeClr val="accent1"/>
-          </a:lnRef>
-          <a:fillRef idx="0">
-            <a:schemeClr val="accent1"/>
-          </a:fillRef>
-          <a:effectRef idx="0">
-            <a:schemeClr val="accent1"/>
-          </a:effectRef>
-          <a:fontRef idx="minor">
-            <a:schemeClr val="tx1"/>
-          </a:fontRef>
-        </p:style>
-      </p:cxnSp>
-      <p:cxnSp>
-        <p:nvCxnSpPr>
-          <p:cNvPr id="27" name="Straight Connector 26"/>
-          <p:cNvCxnSpPr/>
-          <p:nvPr/>
-        </p:nvCxnSpPr>
-        <p:spPr>
-          <a:xfrm flipV="1">
-            <a:off x="8134867" y="5226453"/>
-            <a:ext cx="815547" cy="2"/>
-          </a:xfrm>
-          <a:prstGeom prst="line">
-            <a:avLst/>
-          </a:prstGeom>
-        </p:spPr>
-        <p:style>
-          <a:lnRef idx="1">
-            <a:schemeClr val="accent1"/>
-          </a:lnRef>
-          <a:fillRef idx="0">
-            <a:schemeClr val="accent1"/>
-          </a:fillRef>
-          <a:effectRef idx="0">
-            <a:schemeClr val="accent1"/>
-          </a:effectRef>
-          <a:fontRef idx="minor">
-            <a:schemeClr val="tx1"/>
-          </a:fontRef>
-        </p:style>
-      </p:cxnSp>
-      <p:cxnSp>
-        <p:nvCxnSpPr>
-          <p:cNvPr id="28" name="Straight Connector 27"/>
-          <p:cNvCxnSpPr/>
-          <p:nvPr/>
-        </p:nvCxnSpPr>
-        <p:spPr>
-          <a:xfrm flipV="1">
-            <a:off x="9765961" y="5226453"/>
-            <a:ext cx="815547" cy="2"/>
-          </a:xfrm>
-          <a:prstGeom prst="line">
-            <a:avLst/>
-          </a:prstGeom>
-        </p:spPr>
-        <p:style>
-          <a:lnRef idx="1">
-            <a:schemeClr val="accent1"/>
-          </a:lnRef>
-          <a:fillRef idx="0">
-            <a:schemeClr val="accent1"/>
-          </a:fillRef>
-          <a:effectRef idx="0">
-            <a:schemeClr val="accent1"/>
-          </a:effectRef>
-          <a:fontRef idx="minor">
-            <a:schemeClr val="tx1"/>
-          </a:fontRef>
-        </p:style>
-      </p:cxnSp>
-      <p:sp>
-        <p:nvSpPr>
-          <p:cNvPr id="31" name="TextBox 30"/>
-          <p:cNvSpPr txBox="1"/>
-          <p:nvPr/>
-        </p:nvSpPr>
-        <p:spPr>
-          <a:xfrm>
-            <a:off x="1329267" y="2141610"/>
-            <a:ext cx="3543412" cy="369332"/>
-          </a:xfrm>
-          <a:prstGeom prst="rect">
-            <a:avLst/>
-          </a:prstGeom>
-          <a:noFill/>
-        </p:spPr>
-        <p:txBody>
-          <a:bodyPr wrap="square" rtlCol="0">
-            <a:spAutoFit/>
-          </a:bodyPr>
-          <a:lstStyle/>
-          <a:p>
-            <a:r>
-              <a:rPr lang="en-US" dirty="0"/>
-              <a:t>SNV predicted to be pathogenic</a:t>
-            </a:r>
-          </a:p>
-        </p:txBody>
-      </p:sp>
-      <p:cxnSp>
-        <p:nvCxnSpPr>
-          <p:cNvPr id="34" name="Connector: Elbow 33"/>
-          <p:cNvCxnSpPr>
-            <a:cxnSpLocks/>
-            <a:stCxn id="31" idx="2"/>
-          </p:cNvCxnSpPr>
-          <p:nvPr/>
-        </p:nvCxnSpPr>
-        <p:spPr>
-          <a:xfrm rot="5400000">
-            <a:off x="2260073" y="2784000"/>
-            <a:ext cx="1113958" cy="567842"/>
-          </a:xfrm>
-          <a:prstGeom prst="bentConnector3">
-            <a:avLst/>
-          </a:prstGeom>
-          <a:ln>
-            <a:tailEnd type="triangle"/>
-          </a:ln>
-        </p:spPr>
-        <p:style>
-          <a:lnRef idx="1">
-            <a:schemeClr val="accent1"/>
-          </a:lnRef>
-          <a:fillRef idx="0">
-            <a:schemeClr val="accent1"/>
-          </a:fillRef>
-          <a:effectRef idx="0">
-            <a:schemeClr val="accent1"/>
-          </a:effectRef>
-          <a:fontRef idx="minor">
-            <a:schemeClr val="tx1"/>
-          </a:fontRef>
-        </p:style>
-      </p:cxnSp>
-      <p:cxnSp>
-        <p:nvCxnSpPr>
-          <p:cNvPr id="36" name="Straight Arrow Connector 35"/>
-          <p:cNvCxnSpPr>
-            <a:cxnSpLocks/>
-          </p:cNvCxnSpPr>
-          <p:nvPr/>
-        </p:nvCxnSpPr>
-        <p:spPr>
-          <a:xfrm>
-            <a:off x="2833810" y="5490241"/>
-            <a:ext cx="1" cy="444327"/>
-          </a:xfrm>
-          <a:prstGeom prst="straightConnector1">
-            <a:avLst/>
-          </a:prstGeom>
-          <a:ln>
-            <a:tailEnd type="triangle"/>
-          </a:ln>
-        </p:spPr>
-        <p:style>
-          <a:lnRef idx="1">
-            <a:schemeClr val="accent1"/>
-          </a:lnRef>
-          <a:fillRef idx="0">
-            <a:schemeClr val="accent1"/>
-          </a:fillRef>
-          <a:effectRef idx="0">
-            <a:schemeClr val="accent1"/>
-          </a:effectRef>
-          <a:fontRef idx="minor">
-            <a:schemeClr val="tx1"/>
-          </a:fontRef>
-        </p:style>
-      </p:cxnSp>
-      <p:cxnSp>
-        <p:nvCxnSpPr>
-          <p:cNvPr id="37" name="Straight Arrow Connector 36"/>
-          <p:cNvCxnSpPr>
-            <a:cxnSpLocks/>
-          </p:cNvCxnSpPr>
-          <p:nvPr/>
-        </p:nvCxnSpPr>
-        <p:spPr>
-          <a:xfrm>
-            <a:off x="9358185" y="5490240"/>
-            <a:ext cx="1" cy="444327"/>
-          </a:xfrm>
-          <a:prstGeom prst="straightConnector1">
-            <a:avLst/>
-          </a:prstGeom>
-          <a:ln>
-            <a:tailEnd type="triangle"/>
-          </a:ln>
-        </p:spPr>
-        <p:style>
-          <a:lnRef idx="1">
-            <a:schemeClr val="accent1"/>
-          </a:lnRef>
-          <a:fillRef idx="0">
-            <a:schemeClr val="accent1"/>
-          </a:fillRef>
-          <a:effectRef idx="0">
-            <a:schemeClr val="accent1"/>
-          </a:effectRef>
-          <a:fontRef idx="minor">
-            <a:schemeClr val="tx1"/>
-          </a:fontRef>
-        </p:style>
-      </p:cxnSp>
-      <p:sp>
-        <p:nvSpPr>
-          <p:cNvPr id="38" name="TextBox 37"/>
-          <p:cNvSpPr txBox="1"/>
-          <p:nvPr/>
-        </p:nvSpPr>
-        <p:spPr>
-          <a:xfrm>
-            <a:off x="1511636" y="6024030"/>
-            <a:ext cx="2644347" cy="337640"/>
-          </a:xfrm>
-          <a:prstGeom prst="rect">
-            <a:avLst/>
-          </a:prstGeom>
-          <a:noFill/>
-        </p:spPr>
-        <p:txBody>
-          <a:bodyPr wrap="square" rtlCol="0">
-            <a:spAutoFit/>
-          </a:bodyPr>
-          <a:lstStyle/>
-          <a:p>
-            <a:r>
-              <a:rPr lang="en-US" dirty="0"/>
-              <a:t>Disease Phenotype (ASD)</a:t>
-            </a:r>
-          </a:p>
-        </p:txBody>
-      </p:sp>
-      <p:sp>
-        <p:nvSpPr>
-          <p:cNvPr id="39" name="TextBox 38"/>
-          <p:cNvSpPr txBox="1"/>
-          <p:nvPr/>
-        </p:nvSpPr>
-        <p:spPr>
-          <a:xfrm>
-            <a:off x="8299626" y="6024030"/>
-            <a:ext cx="2117118" cy="337640"/>
-          </a:xfrm>
-          <a:prstGeom prst="rect">
-            <a:avLst/>
-          </a:prstGeom>
-          <a:noFill/>
-        </p:spPr>
-        <p:txBody>
-          <a:bodyPr wrap="square" rtlCol="0">
-            <a:spAutoFit/>
-          </a:bodyPr>
-          <a:lstStyle/>
-          <a:p>
-            <a:r>
-              <a:rPr lang="en-US" dirty="0"/>
-              <a:t>Healthy Phenotype</a:t>
-            </a:r>
-          </a:p>
-        </p:txBody>
-      </p:sp>
-      <p:sp>
-        <p:nvSpPr>
-          <p:cNvPr id="42" name="TextBox 41"/>
-          <p:cNvSpPr txBox="1"/>
-          <p:nvPr/>
-        </p:nvSpPr>
-        <p:spPr>
-          <a:xfrm>
-            <a:off x="2854404" y="4355244"/>
-            <a:ext cx="2405455" cy="369332"/>
-          </a:xfrm>
-          <a:prstGeom prst="rect">
-            <a:avLst/>
-          </a:prstGeom>
-          <a:noFill/>
-        </p:spPr>
-        <p:txBody>
-          <a:bodyPr wrap="square" rtlCol="0">
-            <a:spAutoFit/>
-          </a:bodyPr>
-          <a:lstStyle/>
-          <a:p>
-            <a:r>
-              <a:rPr lang="en-US" dirty="0"/>
-              <a:t>Cassette exon skipping</a:t>
-            </a:r>
-          </a:p>
-        </p:txBody>
-      </p:sp>
-      <p:sp>
-        <p:nvSpPr>
-          <p:cNvPr id="43" name="TextBox 42"/>
-          <p:cNvSpPr txBox="1"/>
-          <p:nvPr/>
-        </p:nvSpPr>
-        <p:spPr>
-          <a:xfrm>
-            <a:off x="9358185" y="4355244"/>
-            <a:ext cx="2125360" cy="369332"/>
-          </a:xfrm>
-          <a:prstGeom prst="rect">
-            <a:avLst/>
-          </a:prstGeom>
-          <a:noFill/>
-        </p:spPr>
-        <p:txBody>
-          <a:bodyPr wrap="square" rtlCol="0">
-            <a:spAutoFit/>
-          </a:bodyPr>
-          <a:lstStyle/>
-          <a:p>
-            <a:r>
-              <a:rPr lang="en-US" dirty="0"/>
-              <a:t>No splicing change</a:t>
-            </a:r>
-          </a:p>
-        </p:txBody>
-      </p:sp>
-      <p:cxnSp>
-        <p:nvCxnSpPr>
-          <p:cNvPr id="49" name="Straight Connector 48"/>
-          <p:cNvCxnSpPr/>
-          <p:nvPr/>
-        </p:nvCxnSpPr>
-        <p:spPr>
-          <a:xfrm flipV="1">
-            <a:off x="8134867" y="3749161"/>
-            <a:ext cx="815547" cy="2"/>
-          </a:xfrm>
-          <a:prstGeom prst="line">
-            <a:avLst/>
-          </a:prstGeom>
-        </p:spPr>
-        <p:style>
-          <a:lnRef idx="1">
-            <a:schemeClr val="accent1"/>
-          </a:lnRef>
-          <a:fillRef idx="0">
-            <a:schemeClr val="accent1"/>
-          </a:fillRef>
-          <a:effectRef idx="0">
-            <a:schemeClr val="accent1"/>
-          </a:effectRef>
-          <a:fontRef idx="minor">
-            <a:schemeClr val="tx1"/>
-          </a:fontRef>
-        </p:style>
-      </p:cxnSp>
-      <p:cxnSp>
-        <p:nvCxnSpPr>
-          <p:cNvPr id="50" name="Straight Connector 49"/>
-          <p:cNvCxnSpPr/>
-          <p:nvPr/>
-        </p:nvCxnSpPr>
-        <p:spPr>
-          <a:xfrm flipV="1">
-            <a:off x="9765961" y="3749157"/>
-            <a:ext cx="815547" cy="2"/>
-          </a:xfrm>
-          <a:prstGeom prst="line">
-            <a:avLst/>
-          </a:prstGeom>
-        </p:spPr>
-        <p:style>
-          <a:lnRef idx="1">
-            <a:schemeClr val="accent1"/>
-          </a:lnRef>
-          <a:fillRef idx="0">
-            <a:schemeClr val="accent1"/>
-          </a:fillRef>
-          <a:effectRef idx="0">
-            <a:schemeClr val="accent1"/>
-          </a:effectRef>
-          <a:fontRef idx="minor">
-            <a:schemeClr val="tx1"/>
-          </a:fontRef>
-        </p:style>
-      </p:cxnSp>
-      <p:sp>
-        <p:nvSpPr>
-          <p:cNvPr id="51" name="TextBox 50"/>
-          <p:cNvSpPr txBox="1"/>
-          <p:nvPr/>
-        </p:nvSpPr>
-        <p:spPr>
-          <a:xfrm>
-            <a:off x="7853643" y="2141610"/>
-            <a:ext cx="3543412" cy="369332"/>
-          </a:xfrm>
-          <a:prstGeom prst="rect">
-            <a:avLst/>
-          </a:prstGeom>
-          <a:noFill/>
-        </p:spPr>
-        <p:txBody>
-          <a:bodyPr wrap="square" rtlCol="0">
-            <a:spAutoFit/>
-          </a:bodyPr>
-          <a:lstStyle/>
-          <a:p>
-            <a:r>
-              <a:rPr lang="en-US" dirty="0"/>
-              <a:t>Non-pathogenic SNV</a:t>
-            </a:r>
-          </a:p>
-        </p:txBody>
-      </p:sp>
-      <p:cxnSp>
-        <p:nvCxnSpPr>
-          <p:cNvPr id="52" name="Connector: Elbow 51"/>
-          <p:cNvCxnSpPr>
-            <a:cxnSpLocks/>
-            <a:stCxn id="51" idx="2"/>
-          </p:cNvCxnSpPr>
-          <p:nvPr/>
-        </p:nvCxnSpPr>
-        <p:spPr>
-          <a:xfrm rot="5400000">
-            <a:off x="8784449" y="2784000"/>
-            <a:ext cx="1113958" cy="567842"/>
-          </a:xfrm>
-          <a:prstGeom prst="bentConnector3">
-            <a:avLst/>
-          </a:prstGeom>
-          <a:ln>
-            <a:tailEnd type="triangle"/>
-          </a:ln>
-        </p:spPr>
-        <p:style>
-          <a:lnRef idx="1">
-            <a:schemeClr val="accent1"/>
-          </a:lnRef>
-          <a:fillRef idx="0">
-            <a:schemeClr val="accent1"/>
-          </a:fillRef>
-          <a:effectRef idx="0">
-            <a:schemeClr val="accent1"/>
-          </a:effectRef>
-          <a:fontRef idx="minor">
-            <a:schemeClr val="tx1"/>
-          </a:fontRef>
-        </p:style>
-      </p:cxnSp>
+        </p:grpSpPr>
+        <p:sp>
+          <p:nvSpPr>
+            <p:cNvPr id="2" name="Rectangle 1"/>
+            <p:cNvSpPr/>
+            <p:nvPr/>
+          </p:nvSpPr>
+          <p:spPr>
+            <a:xfrm>
+              <a:off x="794944" y="3624901"/>
+              <a:ext cx="815547" cy="248522"/>
+            </a:xfrm>
+            <a:prstGeom prst="rect">
+              <a:avLst/>
+            </a:prstGeom>
+          </p:spPr>
+          <p:style>
+            <a:lnRef idx="2">
+              <a:schemeClr val="accent1">
+                <a:shade val="50000"/>
+              </a:schemeClr>
+            </a:lnRef>
+            <a:fillRef idx="1">
+              <a:schemeClr val="accent1"/>
+            </a:fillRef>
+            <a:effectRef idx="0">
+              <a:schemeClr val="accent1"/>
+            </a:effectRef>
+            <a:fontRef idx="minor">
+              <a:schemeClr val="lt1"/>
+            </a:fontRef>
+          </p:style>
+          <p:txBody>
+            <a:bodyPr rtlCol="0" anchor="ctr"/>
+            <a:lstStyle/>
+            <a:p>
+              <a:pPr algn="ctr"/>
+              <a:endParaRPr lang="en-US"/>
+            </a:p>
+          </p:txBody>
+        </p:sp>
+        <p:sp>
+          <p:nvSpPr>
+            <p:cNvPr id="3" name="Rectangle 2"/>
+            <p:cNvSpPr/>
+            <p:nvPr/>
+          </p:nvSpPr>
+          <p:spPr>
+            <a:xfrm>
+              <a:off x="4057132" y="3624898"/>
+              <a:ext cx="815547" cy="248522"/>
+            </a:xfrm>
+            <a:prstGeom prst="rect">
+              <a:avLst/>
+            </a:prstGeom>
+          </p:spPr>
+          <p:style>
+            <a:lnRef idx="2">
+              <a:schemeClr val="accent1">
+                <a:shade val="50000"/>
+              </a:schemeClr>
+            </a:lnRef>
+            <a:fillRef idx="1">
+              <a:schemeClr val="accent1"/>
+            </a:fillRef>
+            <a:effectRef idx="0">
+              <a:schemeClr val="accent1"/>
+            </a:effectRef>
+            <a:fontRef idx="minor">
+              <a:schemeClr val="lt1"/>
+            </a:fontRef>
+          </p:style>
+          <p:txBody>
+            <a:bodyPr rtlCol="0" anchor="ctr"/>
+            <a:lstStyle/>
+            <a:p>
+              <a:pPr algn="ctr"/>
+              <a:endParaRPr lang="en-US"/>
+            </a:p>
+          </p:txBody>
+        </p:sp>
+        <p:sp>
+          <p:nvSpPr>
+            <p:cNvPr id="4" name="Rectangle 3"/>
+            <p:cNvSpPr/>
+            <p:nvPr/>
+          </p:nvSpPr>
+          <p:spPr>
+            <a:xfrm>
+              <a:off x="2426038" y="3624899"/>
+              <a:ext cx="815547" cy="248522"/>
+            </a:xfrm>
+            <a:prstGeom prst="rect">
+              <a:avLst/>
+            </a:prstGeom>
+          </p:spPr>
+          <p:style>
+            <a:lnRef idx="2">
+              <a:schemeClr val="accent1">
+                <a:shade val="50000"/>
+              </a:schemeClr>
+            </a:lnRef>
+            <a:fillRef idx="1">
+              <a:schemeClr val="accent1"/>
+            </a:fillRef>
+            <a:effectRef idx="0">
+              <a:schemeClr val="accent1"/>
+            </a:effectRef>
+            <a:fontRef idx="minor">
+              <a:schemeClr val="lt1"/>
+            </a:fontRef>
+          </p:style>
+          <p:txBody>
+            <a:bodyPr rtlCol="0" anchor="ctr"/>
+            <a:lstStyle/>
+            <a:p>
+              <a:pPr algn="ctr"/>
+              <a:endParaRPr lang="en-US"/>
+            </a:p>
+          </p:txBody>
+        </p:sp>
+        <p:sp>
+          <p:nvSpPr>
+            <p:cNvPr id="5" name="Rectangle 4"/>
+            <p:cNvSpPr/>
+            <p:nvPr/>
+          </p:nvSpPr>
+          <p:spPr>
+            <a:xfrm>
+              <a:off x="7319320" y="3624901"/>
+              <a:ext cx="815547" cy="248522"/>
+            </a:xfrm>
+            <a:prstGeom prst="rect">
+              <a:avLst/>
+            </a:prstGeom>
+          </p:spPr>
+          <p:style>
+            <a:lnRef idx="2">
+              <a:schemeClr val="accent1">
+                <a:shade val="50000"/>
+              </a:schemeClr>
+            </a:lnRef>
+            <a:fillRef idx="1">
+              <a:schemeClr val="accent1"/>
+            </a:fillRef>
+            <a:effectRef idx="0">
+              <a:schemeClr val="accent1"/>
+            </a:effectRef>
+            <a:fontRef idx="minor">
+              <a:schemeClr val="lt1"/>
+            </a:fontRef>
+          </p:style>
+          <p:txBody>
+            <a:bodyPr rtlCol="0" anchor="ctr"/>
+            <a:lstStyle/>
+            <a:p>
+              <a:pPr algn="ctr"/>
+              <a:endParaRPr lang="en-US"/>
+            </a:p>
+          </p:txBody>
+        </p:sp>
+        <p:sp>
+          <p:nvSpPr>
+            <p:cNvPr id="6" name="Rectangle 5"/>
+            <p:cNvSpPr/>
+            <p:nvPr/>
+          </p:nvSpPr>
+          <p:spPr>
+            <a:xfrm>
+              <a:off x="10581508" y="3624898"/>
+              <a:ext cx="815547" cy="248522"/>
+            </a:xfrm>
+            <a:prstGeom prst="rect">
+              <a:avLst/>
+            </a:prstGeom>
+          </p:spPr>
+          <p:style>
+            <a:lnRef idx="2">
+              <a:schemeClr val="accent1">
+                <a:shade val="50000"/>
+              </a:schemeClr>
+            </a:lnRef>
+            <a:fillRef idx="1">
+              <a:schemeClr val="accent1"/>
+            </a:fillRef>
+            <a:effectRef idx="0">
+              <a:schemeClr val="accent1"/>
+            </a:effectRef>
+            <a:fontRef idx="minor">
+              <a:schemeClr val="lt1"/>
+            </a:fontRef>
+          </p:style>
+          <p:txBody>
+            <a:bodyPr rtlCol="0" anchor="ctr"/>
+            <a:lstStyle/>
+            <a:p>
+              <a:pPr algn="ctr"/>
+              <a:endParaRPr lang="en-US"/>
+            </a:p>
+          </p:txBody>
+        </p:sp>
+        <p:sp>
+          <p:nvSpPr>
+            <p:cNvPr id="7" name="Rectangle 6"/>
+            <p:cNvSpPr/>
+            <p:nvPr/>
+          </p:nvSpPr>
+          <p:spPr>
+            <a:xfrm>
+              <a:off x="8950414" y="3624899"/>
+              <a:ext cx="815547" cy="248522"/>
+            </a:xfrm>
+            <a:prstGeom prst="rect">
+              <a:avLst/>
+            </a:prstGeom>
+          </p:spPr>
+          <p:style>
+            <a:lnRef idx="2">
+              <a:schemeClr val="accent1">
+                <a:shade val="50000"/>
+              </a:schemeClr>
+            </a:lnRef>
+            <a:fillRef idx="1">
+              <a:schemeClr val="accent1"/>
+            </a:fillRef>
+            <a:effectRef idx="0">
+              <a:schemeClr val="accent1"/>
+            </a:effectRef>
+            <a:fontRef idx="minor">
+              <a:schemeClr val="lt1"/>
+            </a:fontRef>
+          </p:style>
+          <p:txBody>
+            <a:bodyPr rtlCol="0" anchor="ctr"/>
+            <a:lstStyle/>
+            <a:p>
+              <a:pPr algn="ctr"/>
+              <a:endParaRPr lang="en-US"/>
+            </a:p>
+          </p:txBody>
+        </p:sp>
+        <p:cxnSp>
+          <p:nvCxnSpPr>
+            <p:cNvPr id="11" name="Straight Connector 10"/>
+            <p:cNvCxnSpPr>
+              <a:stCxn id="2" idx="3"/>
+              <a:endCxn id="4" idx="1"/>
+            </p:cNvCxnSpPr>
+            <p:nvPr/>
+          </p:nvCxnSpPr>
+          <p:spPr>
+            <a:xfrm flipV="1">
+              <a:off x="1610491" y="3749161"/>
+              <a:ext cx="815547" cy="2"/>
+            </a:xfrm>
+            <a:prstGeom prst="line">
+              <a:avLst/>
+            </a:prstGeom>
+          </p:spPr>
+          <p:style>
+            <a:lnRef idx="1">
+              <a:schemeClr val="accent1"/>
+            </a:lnRef>
+            <a:fillRef idx="0">
+              <a:schemeClr val="accent1"/>
+            </a:fillRef>
+            <a:effectRef idx="0">
+              <a:schemeClr val="accent1"/>
+            </a:effectRef>
+            <a:fontRef idx="minor">
+              <a:schemeClr val="tx1"/>
+            </a:fontRef>
+          </p:style>
+        </p:cxnSp>
+        <p:cxnSp>
+          <p:nvCxnSpPr>
+            <p:cNvPr id="12" name="Straight Connector 11"/>
+            <p:cNvCxnSpPr/>
+            <p:nvPr/>
+          </p:nvCxnSpPr>
+          <p:spPr>
+            <a:xfrm flipV="1">
+              <a:off x="3241585" y="3749157"/>
+              <a:ext cx="815547" cy="2"/>
+            </a:xfrm>
+            <a:prstGeom prst="line">
+              <a:avLst/>
+            </a:prstGeom>
+          </p:spPr>
+          <p:style>
+            <a:lnRef idx="1">
+              <a:schemeClr val="accent1"/>
+            </a:lnRef>
+            <a:fillRef idx="0">
+              <a:schemeClr val="accent1"/>
+            </a:fillRef>
+            <a:effectRef idx="0">
+              <a:schemeClr val="accent1"/>
+            </a:effectRef>
+            <a:fontRef idx="minor">
+              <a:schemeClr val="tx1"/>
+            </a:fontRef>
+          </p:style>
+        </p:cxnSp>
+        <p:cxnSp>
+          <p:nvCxnSpPr>
+            <p:cNvPr id="13" name="Straight Connector 12"/>
+            <p:cNvCxnSpPr/>
+            <p:nvPr/>
+          </p:nvCxnSpPr>
+          <p:spPr>
+            <a:xfrm flipV="1">
+              <a:off x="8134867" y="3749155"/>
+              <a:ext cx="815547" cy="2"/>
+            </a:xfrm>
+            <a:prstGeom prst="line">
+              <a:avLst/>
+            </a:prstGeom>
+          </p:spPr>
+          <p:style>
+            <a:lnRef idx="1">
+              <a:schemeClr val="accent1"/>
+            </a:lnRef>
+            <a:fillRef idx="0">
+              <a:schemeClr val="accent1"/>
+            </a:fillRef>
+            <a:effectRef idx="0">
+              <a:schemeClr val="accent1"/>
+            </a:effectRef>
+            <a:fontRef idx="minor">
+              <a:schemeClr val="tx1"/>
+            </a:fontRef>
+          </p:style>
+        </p:cxnSp>
+        <p:cxnSp>
+          <p:nvCxnSpPr>
+            <p:cNvPr id="14" name="Straight Connector 13"/>
+            <p:cNvCxnSpPr/>
+            <p:nvPr/>
+          </p:nvCxnSpPr>
+          <p:spPr>
+            <a:xfrm flipV="1">
+              <a:off x="9765961" y="3749155"/>
+              <a:ext cx="815547" cy="2"/>
+            </a:xfrm>
+            <a:prstGeom prst="line">
+              <a:avLst/>
+            </a:prstGeom>
+          </p:spPr>
+          <p:style>
+            <a:lnRef idx="1">
+              <a:schemeClr val="accent1"/>
+            </a:lnRef>
+            <a:fillRef idx="0">
+              <a:schemeClr val="accent1"/>
+            </a:fillRef>
+            <a:effectRef idx="0">
+              <a:schemeClr val="accent1"/>
+            </a:effectRef>
+            <a:fontRef idx="minor">
+              <a:schemeClr val="tx1"/>
+            </a:fontRef>
+          </p:style>
+        </p:cxnSp>
+        <p:cxnSp>
+          <p:nvCxnSpPr>
+            <p:cNvPr id="16" name="Straight Arrow Connector 15"/>
+            <p:cNvCxnSpPr>
+              <a:cxnSpLocks/>
+            </p:cNvCxnSpPr>
+            <p:nvPr/>
+          </p:nvCxnSpPr>
+          <p:spPr>
+            <a:xfrm>
+              <a:off x="2833811" y="4317748"/>
+              <a:ext cx="1" cy="444327"/>
+            </a:xfrm>
+            <a:prstGeom prst="straightConnector1">
+              <a:avLst/>
+            </a:prstGeom>
+            <a:ln>
+              <a:tailEnd type="triangle"/>
+            </a:ln>
+          </p:spPr>
+          <p:style>
+            <a:lnRef idx="1">
+              <a:schemeClr val="accent1"/>
+            </a:lnRef>
+            <a:fillRef idx="0">
+              <a:schemeClr val="accent1"/>
+            </a:fillRef>
+            <a:effectRef idx="0">
+              <a:schemeClr val="accent1"/>
+            </a:effectRef>
+            <a:fontRef idx="minor">
+              <a:schemeClr val="tx1"/>
+            </a:fontRef>
+          </p:style>
+        </p:cxnSp>
+        <p:cxnSp>
+          <p:nvCxnSpPr>
+            <p:cNvPr id="18" name="Straight Arrow Connector 17"/>
+            <p:cNvCxnSpPr>
+              <a:cxnSpLocks/>
+            </p:cNvCxnSpPr>
+            <p:nvPr/>
+          </p:nvCxnSpPr>
+          <p:spPr>
+            <a:xfrm>
+              <a:off x="9358186" y="4317747"/>
+              <a:ext cx="1" cy="444327"/>
+            </a:xfrm>
+            <a:prstGeom prst="straightConnector1">
+              <a:avLst/>
+            </a:prstGeom>
+            <a:ln>
+              <a:tailEnd type="triangle"/>
+            </a:ln>
+          </p:spPr>
+          <p:style>
+            <a:lnRef idx="1">
+              <a:schemeClr val="accent1"/>
+            </a:lnRef>
+            <a:fillRef idx="0">
+              <a:schemeClr val="accent1"/>
+            </a:fillRef>
+            <a:effectRef idx="0">
+              <a:schemeClr val="accent1"/>
+            </a:effectRef>
+            <a:fontRef idx="minor">
+              <a:schemeClr val="tx1"/>
+            </a:fontRef>
+          </p:style>
+        </p:cxnSp>
+        <p:sp>
+          <p:nvSpPr>
+            <p:cNvPr id="19" name="Rectangle 18"/>
+            <p:cNvSpPr/>
+            <p:nvPr/>
+          </p:nvSpPr>
+          <p:spPr>
+            <a:xfrm>
+              <a:off x="794944" y="5102199"/>
+              <a:ext cx="815547" cy="248522"/>
+            </a:xfrm>
+            <a:prstGeom prst="rect">
+              <a:avLst/>
+            </a:prstGeom>
+          </p:spPr>
+          <p:style>
+            <a:lnRef idx="2">
+              <a:schemeClr val="accent1">
+                <a:shade val="50000"/>
+              </a:schemeClr>
+            </a:lnRef>
+            <a:fillRef idx="1">
+              <a:schemeClr val="accent1"/>
+            </a:fillRef>
+            <a:effectRef idx="0">
+              <a:schemeClr val="accent1"/>
+            </a:effectRef>
+            <a:fontRef idx="minor">
+              <a:schemeClr val="lt1"/>
+            </a:fontRef>
+          </p:style>
+          <p:txBody>
+            <a:bodyPr rtlCol="0" anchor="ctr"/>
+            <a:lstStyle/>
+            <a:p>
+              <a:pPr algn="ctr"/>
+              <a:endParaRPr lang="en-US"/>
+            </a:p>
+          </p:txBody>
+        </p:sp>
+        <p:sp>
+          <p:nvSpPr>
+            <p:cNvPr id="20" name="Rectangle 19"/>
+            <p:cNvSpPr/>
+            <p:nvPr/>
+          </p:nvSpPr>
+          <p:spPr>
+            <a:xfrm>
+              <a:off x="4057132" y="5102196"/>
+              <a:ext cx="815547" cy="248522"/>
+            </a:xfrm>
+            <a:prstGeom prst="rect">
+              <a:avLst/>
+            </a:prstGeom>
+          </p:spPr>
+          <p:style>
+            <a:lnRef idx="2">
+              <a:schemeClr val="accent1">
+                <a:shade val="50000"/>
+              </a:schemeClr>
+            </a:lnRef>
+            <a:fillRef idx="1">
+              <a:schemeClr val="accent1"/>
+            </a:fillRef>
+            <a:effectRef idx="0">
+              <a:schemeClr val="accent1"/>
+            </a:effectRef>
+            <a:fontRef idx="minor">
+              <a:schemeClr val="lt1"/>
+            </a:fontRef>
+          </p:style>
+          <p:txBody>
+            <a:bodyPr rtlCol="0" anchor="ctr"/>
+            <a:lstStyle/>
+            <a:p>
+              <a:pPr algn="ctr"/>
+              <a:endParaRPr lang="en-US"/>
+            </a:p>
+          </p:txBody>
+        </p:sp>
+        <p:sp>
+          <p:nvSpPr>
+            <p:cNvPr id="22" name="Rectangle 21"/>
+            <p:cNvSpPr/>
+            <p:nvPr/>
+          </p:nvSpPr>
+          <p:spPr>
+            <a:xfrm>
+              <a:off x="7319320" y="5102199"/>
+              <a:ext cx="815547" cy="248522"/>
+            </a:xfrm>
+            <a:prstGeom prst="rect">
+              <a:avLst/>
+            </a:prstGeom>
+          </p:spPr>
+          <p:style>
+            <a:lnRef idx="2">
+              <a:schemeClr val="accent1">
+                <a:shade val="50000"/>
+              </a:schemeClr>
+            </a:lnRef>
+            <a:fillRef idx="1">
+              <a:schemeClr val="accent1"/>
+            </a:fillRef>
+            <a:effectRef idx="0">
+              <a:schemeClr val="accent1"/>
+            </a:effectRef>
+            <a:fontRef idx="minor">
+              <a:schemeClr val="lt1"/>
+            </a:fontRef>
+          </p:style>
+          <p:txBody>
+            <a:bodyPr rtlCol="0" anchor="ctr"/>
+            <a:lstStyle/>
+            <a:p>
+              <a:pPr algn="ctr"/>
+              <a:endParaRPr lang="en-US"/>
+            </a:p>
+          </p:txBody>
+        </p:sp>
+        <p:sp>
+          <p:nvSpPr>
+            <p:cNvPr id="23" name="Rectangle 22"/>
+            <p:cNvSpPr/>
+            <p:nvPr/>
+          </p:nvSpPr>
+          <p:spPr>
+            <a:xfrm>
+              <a:off x="10581508" y="5102196"/>
+              <a:ext cx="815547" cy="248522"/>
+            </a:xfrm>
+            <a:prstGeom prst="rect">
+              <a:avLst/>
+            </a:prstGeom>
+          </p:spPr>
+          <p:style>
+            <a:lnRef idx="2">
+              <a:schemeClr val="accent1">
+                <a:shade val="50000"/>
+              </a:schemeClr>
+            </a:lnRef>
+            <a:fillRef idx="1">
+              <a:schemeClr val="accent1"/>
+            </a:fillRef>
+            <a:effectRef idx="0">
+              <a:schemeClr val="accent1"/>
+            </a:effectRef>
+            <a:fontRef idx="minor">
+              <a:schemeClr val="lt1"/>
+            </a:fontRef>
+          </p:style>
+          <p:txBody>
+            <a:bodyPr rtlCol="0" anchor="ctr"/>
+            <a:lstStyle/>
+            <a:p>
+              <a:pPr algn="ctr"/>
+              <a:endParaRPr lang="en-US"/>
+            </a:p>
+          </p:txBody>
+        </p:sp>
+        <p:sp>
+          <p:nvSpPr>
+            <p:cNvPr id="24" name="Rectangle 23"/>
+            <p:cNvSpPr/>
+            <p:nvPr/>
+          </p:nvSpPr>
+          <p:spPr>
+            <a:xfrm>
+              <a:off x="8950414" y="5102197"/>
+              <a:ext cx="815547" cy="248522"/>
+            </a:xfrm>
+            <a:prstGeom prst="rect">
+              <a:avLst/>
+            </a:prstGeom>
+          </p:spPr>
+          <p:style>
+            <a:lnRef idx="2">
+              <a:schemeClr val="accent1">
+                <a:shade val="50000"/>
+              </a:schemeClr>
+            </a:lnRef>
+            <a:fillRef idx="1">
+              <a:schemeClr val="accent1"/>
+            </a:fillRef>
+            <a:effectRef idx="0">
+              <a:schemeClr val="accent1"/>
+            </a:effectRef>
+            <a:fontRef idx="minor">
+              <a:schemeClr val="lt1"/>
+            </a:fontRef>
+          </p:style>
+          <p:txBody>
+            <a:bodyPr rtlCol="0" anchor="ctr"/>
+            <a:lstStyle/>
+            <a:p>
+              <a:pPr algn="ctr"/>
+              <a:endParaRPr lang="en-US"/>
+            </a:p>
+          </p:txBody>
+        </p:sp>
+        <p:cxnSp>
+          <p:nvCxnSpPr>
+            <p:cNvPr id="25" name="Straight Connector 24"/>
+            <p:cNvCxnSpPr>
+              <a:cxnSpLocks/>
+              <a:stCxn id="19" idx="3"/>
+              <a:endCxn id="20" idx="1"/>
+            </p:cNvCxnSpPr>
+            <p:nvPr/>
+          </p:nvCxnSpPr>
+          <p:spPr>
+            <a:xfrm flipV="1">
+              <a:off x="1610491" y="5226457"/>
+              <a:ext cx="2446641" cy="3"/>
+            </a:xfrm>
+            <a:prstGeom prst="line">
+              <a:avLst/>
+            </a:prstGeom>
+          </p:spPr>
+          <p:style>
+            <a:lnRef idx="1">
+              <a:schemeClr val="accent1"/>
+            </a:lnRef>
+            <a:fillRef idx="0">
+              <a:schemeClr val="accent1"/>
+            </a:fillRef>
+            <a:effectRef idx="0">
+              <a:schemeClr val="accent1"/>
+            </a:effectRef>
+            <a:fontRef idx="minor">
+              <a:schemeClr val="tx1"/>
+            </a:fontRef>
+          </p:style>
+        </p:cxnSp>
+        <p:cxnSp>
+          <p:nvCxnSpPr>
+            <p:cNvPr id="27" name="Straight Connector 26"/>
+            <p:cNvCxnSpPr/>
+            <p:nvPr/>
+          </p:nvCxnSpPr>
+          <p:spPr>
+            <a:xfrm flipV="1">
+              <a:off x="8134867" y="5226453"/>
+              <a:ext cx="815547" cy="2"/>
+            </a:xfrm>
+            <a:prstGeom prst="line">
+              <a:avLst/>
+            </a:prstGeom>
+          </p:spPr>
+          <p:style>
+            <a:lnRef idx="1">
+              <a:schemeClr val="accent1"/>
+            </a:lnRef>
+            <a:fillRef idx="0">
+              <a:schemeClr val="accent1"/>
+            </a:fillRef>
+            <a:effectRef idx="0">
+              <a:schemeClr val="accent1"/>
+            </a:effectRef>
+            <a:fontRef idx="minor">
+              <a:schemeClr val="tx1"/>
+            </a:fontRef>
+          </p:style>
+        </p:cxnSp>
+        <p:cxnSp>
+          <p:nvCxnSpPr>
+            <p:cNvPr id="28" name="Straight Connector 27"/>
+            <p:cNvCxnSpPr/>
+            <p:nvPr/>
+          </p:nvCxnSpPr>
+          <p:spPr>
+            <a:xfrm flipV="1">
+              <a:off x="9765961" y="5226453"/>
+              <a:ext cx="815547" cy="2"/>
+            </a:xfrm>
+            <a:prstGeom prst="line">
+              <a:avLst/>
+            </a:prstGeom>
+          </p:spPr>
+          <p:style>
+            <a:lnRef idx="1">
+              <a:schemeClr val="accent1"/>
+            </a:lnRef>
+            <a:fillRef idx="0">
+              <a:schemeClr val="accent1"/>
+            </a:fillRef>
+            <a:effectRef idx="0">
+              <a:schemeClr val="accent1"/>
+            </a:effectRef>
+            <a:fontRef idx="minor">
+              <a:schemeClr val="tx1"/>
+            </a:fontRef>
+          </p:style>
+        </p:cxnSp>
+        <p:sp>
+          <p:nvSpPr>
+            <p:cNvPr id="31" name="TextBox 30"/>
+            <p:cNvSpPr txBox="1"/>
+            <p:nvPr/>
+          </p:nvSpPr>
+          <p:spPr>
+            <a:xfrm>
+              <a:off x="1329267" y="2141610"/>
+              <a:ext cx="3543412" cy="369332"/>
+            </a:xfrm>
+            <a:prstGeom prst="rect">
+              <a:avLst/>
+            </a:prstGeom>
+            <a:noFill/>
+          </p:spPr>
+          <p:txBody>
+            <a:bodyPr wrap="square" rtlCol="0">
+              <a:spAutoFit/>
+            </a:bodyPr>
+            <a:lstStyle/>
+            <a:p>
+              <a:r>
+                <a:rPr lang="en-US" dirty="0"/>
+                <a:t>SNV predicted to be pathogenic</a:t>
+              </a:r>
+            </a:p>
+          </p:txBody>
+        </p:sp>
+        <p:cxnSp>
+          <p:nvCxnSpPr>
+            <p:cNvPr id="34" name="Connector: Elbow 33"/>
+            <p:cNvCxnSpPr>
+              <a:cxnSpLocks/>
+              <a:stCxn id="31" idx="2"/>
+            </p:cNvCxnSpPr>
+            <p:nvPr/>
+          </p:nvCxnSpPr>
+          <p:spPr>
+            <a:xfrm rot="5400000">
+              <a:off x="2260073" y="2784000"/>
+              <a:ext cx="1113958" cy="567842"/>
+            </a:xfrm>
+            <a:prstGeom prst="bentConnector3">
+              <a:avLst/>
+            </a:prstGeom>
+            <a:ln>
+              <a:tailEnd type="triangle"/>
+            </a:ln>
+          </p:spPr>
+          <p:style>
+            <a:lnRef idx="1">
+              <a:schemeClr val="accent1"/>
+            </a:lnRef>
+            <a:fillRef idx="0">
+              <a:schemeClr val="accent1"/>
+            </a:fillRef>
+            <a:effectRef idx="0">
+              <a:schemeClr val="accent1"/>
+            </a:effectRef>
+            <a:fontRef idx="minor">
+              <a:schemeClr val="tx1"/>
+            </a:fontRef>
+          </p:style>
+        </p:cxnSp>
+        <p:cxnSp>
+          <p:nvCxnSpPr>
+            <p:cNvPr id="36" name="Straight Arrow Connector 35"/>
+            <p:cNvCxnSpPr>
+              <a:cxnSpLocks/>
+            </p:cNvCxnSpPr>
+            <p:nvPr/>
+          </p:nvCxnSpPr>
+          <p:spPr>
+            <a:xfrm>
+              <a:off x="2833810" y="5490241"/>
+              <a:ext cx="1" cy="444327"/>
+            </a:xfrm>
+            <a:prstGeom prst="straightConnector1">
+              <a:avLst/>
+            </a:prstGeom>
+            <a:ln>
+              <a:tailEnd type="triangle"/>
+            </a:ln>
+          </p:spPr>
+          <p:style>
+            <a:lnRef idx="1">
+              <a:schemeClr val="accent1"/>
+            </a:lnRef>
+            <a:fillRef idx="0">
+              <a:schemeClr val="accent1"/>
+            </a:fillRef>
+            <a:effectRef idx="0">
+              <a:schemeClr val="accent1"/>
+            </a:effectRef>
+            <a:fontRef idx="minor">
+              <a:schemeClr val="tx1"/>
+            </a:fontRef>
+          </p:style>
+        </p:cxnSp>
+        <p:cxnSp>
+          <p:nvCxnSpPr>
+            <p:cNvPr id="37" name="Straight Arrow Connector 36"/>
+            <p:cNvCxnSpPr>
+              <a:cxnSpLocks/>
+            </p:cNvCxnSpPr>
+            <p:nvPr/>
+          </p:nvCxnSpPr>
+          <p:spPr>
+            <a:xfrm>
+              <a:off x="9358185" y="5490240"/>
+              <a:ext cx="1" cy="444327"/>
+            </a:xfrm>
+            <a:prstGeom prst="straightConnector1">
+              <a:avLst/>
+            </a:prstGeom>
+            <a:ln>
+              <a:tailEnd type="triangle"/>
+            </a:ln>
+          </p:spPr>
+          <p:style>
+            <a:lnRef idx="1">
+              <a:schemeClr val="accent1"/>
+            </a:lnRef>
+            <a:fillRef idx="0">
+              <a:schemeClr val="accent1"/>
+            </a:fillRef>
+            <a:effectRef idx="0">
+              <a:schemeClr val="accent1"/>
+            </a:effectRef>
+            <a:fontRef idx="minor">
+              <a:schemeClr val="tx1"/>
+            </a:fontRef>
+          </p:style>
+        </p:cxnSp>
+        <p:sp>
+          <p:nvSpPr>
+            <p:cNvPr id="38" name="TextBox 37"/>
+            <p:cNvSpPr txBox="1"/>
+            <p:nvPr/>
+          </p:nvSpPr>
+          <p:spPr>
+            <a:xfrm>
+              <a:off x="1511636" y="6024030"/>
+              <a:ext cx="2644347" cy="337640"/>
+            </a:xfrm>
+            <a:prstGeom prst="rect">
+              <a:avLst/>
+            </a:prstGeom>
+            <a:noFill/>
+          </p:spPr>
+          <p:txBody>
+            <a:bodyPr wrap="square" rtlCol="0">
+              <a:spAutoFit/>
+            </a:bodyPr>
+            <a:lstStyle/>
+            <a:p>
+              <a:r>
+                <a:rPr lang="en-US" dirty="0"/>
+                <a:t>Disease Phenotype (ASD)</a:t>
+              </a:r>
+            </a:p>
+          </p:txBody>
+        </p:sp>
+        <p:sp>
+          <p:nvSpPr>
+            <p:cNvPr id="39" name="TextBox 38"/>
+            <p:cNvSpPr txBox="1"/>
+            <p:nvPr/>
+          </p:nvSpPr>
+          <p:spPr>
+            <a:xfrm>
+              <a:off x="8299626" y="6024030"/>
+              <a:ext cx="2117118" cy="337640"/>
+            </a:xfrm>
+            <a:prstGeom prst="rect">
+              <a:avLst/>
+            </a:prstGeom>
+            <a:noFill/>
+          </p:spPr>
+          <p:txBody>
+            <a:bodyPr wrap="square" rtlCol="0">
+              <a:spAutoFit/>
+            </a:bodyPr>
+            <a:lstStyle/>
+            <a:p>
+              <a:r>
+                <a:rPr lang="en-US" dirty="0"/>
+                <a:t>Healthy Phenotype</a:t>
+              </a:r>
+            </a:p>
+          </p:txBody>
+        </p:sp>
+        <p:sp>
+          <p:nvSpPr>
+            <p:cNvPr id="42" name="TextBox 41"/>
+            <p:cNvSpPr txBox="1"/>
+            <p:nvPr/>
+          </p:nvSpPr>
+          <p:spPr>
+            <a:xfrm>
+              <a:off x="2854404" y="4355244"/>
+              <a:ext cx="2405455" cy="369332"/>
+            </a:xfrm>
+            <a:prstGeom prst="rect">
+              <a:avLst/>
+            </a:prstGeom>
+            <a:noFill/>
+          </p:spPr>
+          <p:txBody>
+            <a:bodyPr wrap="square" rtlCol="0">
+              <a:spAutoFit/>
+            </a:bodyPr>
+            <a:lstStyle/>
+            <a:p>
+              <a:r>
+                <a:rPr lang="en-US" dirty="0"/>
+                <a:t>Cassette exon skipping</a:t>
+              </a:r>
+            </a:p>
+          </p:txBody>
+        </p:sp>
+        <p:sp>
+          <p:nvSpPr>
+            <p:cNvPr id="43" name="TextBox 42"/>
+            <p:cNvSpPr txBox="1"/>
+            <p:nvPr/>
+          </p:nvSpPr>
+          <p:spPr>
+            <a:xfrm>
+              <a:off x="9358185" y="4355244"/>
+              <a:ext cx="2125360" cy="369332"/>
+            </a:xfrm>
+            <a:prstGeom prst="rect">
+              <a:avLst/>
+            </a:prstGeom>
+            <a:noFill/>
+          </p:spPr>
+          <p:txBody>
+            <a:bodyPr wrap="square" rtlCol="0">
+              <a:spAutoFit/>
+            </a:bodyPr>
+            <a:lstStyle/>
+            <a:p>
+              <a:r>
+                <a:rPr lang="en-US" dirty="0"/>
+                <a:t>No splicing change</a:t>
+              </a:r>
+            </a:p>
+          </p:txBody>
+        </p:sp>
+        <p:cxnSp>
+          <p:nvCxnSpPr>
+            <p:cNvPr id="49" name="Straight Connector 48"/>
+            <p:cNvCxnSpPr/>
+            <p:nvPr/>
+          </p:nvCxnSpPr>
+          <p:spPr>
+            <a:xfrm flipV="1">
+              <a:off x="8134867" y="3749161"/>
+              <a:ext cx="815547" cy="2"/>
+            </a:xfrm>
+            <a:prstGeom prst="line">
+              <a:avLst/>
+            </a:prstGeom>
+          </p:spPr>
+          <p:style>
+            <a:lnRef idx="1">
+              <a:schemeClr val="accent1"/>
+            </a:lnRef>
+            <a:fillRef idx="0">
+              <a:schemeClr val="accent1"/>
+            </a:fillRef>
+            <a:effectRef idx="0">
+              <a:schemeClr val="accent1"/>
+            </a:effectRef>
+            <a:fontRef idx="minor">
+              <a:schemeClr val="tx1"/>
+            </a:fontRef>
+          </p:style>
+        </p:cxnSp>
+        <p:cxnSp>
+          <p:nvCxnSpPr>
+            <p:cNvPr id="50" name="Straight Connector 49"/>
+            <p:cNvCxnSpPr/>
+            <p:nvPr/>
+          </p:nvCxnSpPr>
+          <p:spPr>
+            <a:xfrm flipV="1">
+              <a:off x="9765961" y="3749157"/>
+              <a:ext cx="815547" cy="2"/>
+            </a:xfrm>
+            <a:prstGeom prst="line">
+              <a:avLst/>
+            </a:prstGeom>
+          </p:spPr>
+          <p:style>
+            <a:lnRef idx="1">
+              <a:schemeClr val="accent1"/>
+            </a:lnRef>
+            <a:fillRef idx="0">
+              <a:schemeClr val="accent1"/>
+            </a:fillRef>
+            <a:effectRef idx="0">
+              <a:schemeClr val="accent1"/>
+            </a:effectRef>
+            <a:fontRef idx="minor">
+              <a:schemeClr val="tx1"/>
+            </a:fontRef>
+          </p:style>
+        </p:cxnSp>
+        <p:sp>
+          <p:nvSpPr>
+            <p:cNvPr id="51" name="TextBox 50"/>
+            <p:cNvSpPr txBox="1"/>
+            <p:nvPr/>
+          </p:nvSpPr>
+          <p:spPr>
+            <a:xfrm>
+              <a:off x="7853643" y="2141610"/>
+              <a:ext cx="3543412" cy="369332"/>
+            </a:xfrm>
+            <a:prstGeom prst="rect">
+              <a:avLst/>
+            </a:prstGeom>
+            <a:noFill/>
+          </p:spPr>
+          <p:txBody>
+            <a:bodyPr wrap="square" rtlCol="0">
+              <a:spAutoFit/>
+            </a:bodyPr>
+            <a:lstStyle/>
+            <a:p>
+              <a:r>
+                <a:rPr lang="en-US" dirty="0"/>
+                <a:t>Non-pathogenic SNV</a:t>
+              </a:r>
+            </a:p>
+          </p:txBody>
+        </p:sp>
+        <p:cxnSp>
+          <p:nvCxnSpPr>
+            <p:cNvPr id="52" name="Connector: Elbow 51"/>
+            <p:cNvCxnSpPr>
+              <a:cxnSpLocks/>
+              <a:stCxn id="51" idx="2"/>
+            </p:cNvCxnSpPr>
+            <p:nvPr/>
+          </p:nvCxnSpPr>
+          <p:spPr>
+            <a:xfrm rot="5400000">
+              <a:off x="8784449" y="2784000"/>
+              <a:ext cx="1113958" cy="567842"/>
+            </a:xfrm>
+            <a:prstGeom prst="bentConnector3">
+              <a:avLst/>
+            </a:prstGeom>
+            <a:ln>
+              <a:tailEnd type="triangle"/>
+            </a:ln>
+          </p:spPr>
+          <p:style>
+            <a:lnRef idx="1">
+              <a:schemeClr val="accent1"/>
+            </a:lnRef>
+            <a:fillRef idx="0">
+              <a:schemeClr val="accent1"/>
+            </a:fillRef>
+            <a:effectRef idx="0">
+              <a:schemeClr val="accent1"/>
+            </a:effectRef>
+            <a:fontRef idx="minor">
+              <a:schemeClr val="tx1"/>
+            </a:fontRef>
+          </p:style>
+        </p:cxnSp>
+      </p:grpSp>
       <p:graphicFrame>
         <p:nvGraphicFramePr>
           <p:cNvPr id="53" name="Table 52"/>
